--- a/20220725_Spatial_and_Temporal_Discretization/Spatial_and_Temporal_Discretization.pptx
+++ b/20220725_Spatial_and_Temporal_Discretization/Spatial_and_Temporal_Discretization.pptx
@@ -9371,8 +9371,8 @@
           </a:p>
         </p:txBody>
       </p:sp>
-      <mc:AlternateContent xmlns:mc="http://schemas.openxmlformats.org/markup-compatibility/2006">
-        <mc:Choice xmlns:a14="http://schemas.microsoft.com/office/drawing/2010/main" Requires="a14">
+      <mc:AlternateContent xmlns:mc="http://schemas.openxmlformats.org/markup-compatibility/2006" xmlns:a14="http://schemas.microsoft.com/office/drawing/2010/main">
+        <mc:Choice Requires="a14">
           <p:sp>
             <p:nvSpPr>
               <p:cNvPr id="5" name="内容占位符 2">
@@ -9703,7 +9703,7 @@
                     <m:sSub>
                       <m:sSubPr>
                         <m:ctrlPr>
-                          <a:rPr lang="en-US" altLang="zh-CN" sz="2400" b="0" i="0" smtClean="0">
+                          <a:rPr lang="en-US" altLang="zh-CN" sz="2400" b="0" i="1" smtClean="0">
                             <a:latin typeface="Cambria Math" panose="02040503050406030204" pitchFamily="18" charset="0"/>
                           </a:rPr>
                         </m:ctrlPr>
@@ -9787,7 +9787,7 @@
             </p:txBody>
           </p:sp>
         </mc:Choice>
-        <mc:Fallback>
+        <mc:Fallback xmlns="">
           <p:sp>
             <p:nvSpPr>
               <p:cNvPr id="5" name="内容占位符 2">
@@ -12888,10 +12888,6 @@
           <a:lstStyle/>
           <a:p>
             <a:pPr algn="ctr"/>
-            <a:r>
-              <a:rPr lang="en-US" altLang="zh-CN" dirty="0"/>
-              <a:t>s</a:t>
-            </a:r>
             <a:endParaRPr lang="zh-CN" altLang="en-US" dirty="0"/>
           </a:p>
         </p:txBody>
@@ -13090,8 +13086,8 @@
           </a:p>
         </p:txBody>
       </p:sp>
-      <mc:AlternateContent xmlns:mc="http://schemas.openxmlformats.org/markup-compatibility/2006">
-        <mc:Choice xmlns:a14="http://schemas.microsoft.com/office/drawing/2010/main" Requires="a14">
+      <mc:AlternateContent xmlns:mc="http://schemas.openxmlformats.org/markup-compatibility/2006" xmlns:a14="http://schemas.microsoft.com/office/drawing/2010/main">
+        <mc:Choice Requires="a14">
           <p:sp>
             <p:nvSpPr>
               <p:cNvPr id="5" name="内容占位符 2">
@@ -14430,7 +14426,7 @@
             </p:txBody>
           </p:sp>
         </mc:Choice>
-        <mc:Fallback>
+        <mc:Fallback xmlns="">
           <p:sp>
             <p:nvSpPr>
               <p:cNvPr id="5" name="内容占位符 2">
@@ -14589,8 +14585,8 @@
           </a:p>
         </p:txBody>
       </p:sp>
-      <mc:AlternateContent xmlns:mc="http://schemas.openxmlformats.org/markup-compatibility/2006">
-        <mc:Choice xmlns:a14="http://schemas.microsoft.com/office/drawing/2010/main" Requires="a14">
+      <mc:AlternateContent xmlns:mc="http://schemas.openxmlformats.org/markup-compatibility/2006" xmlns:a14="http://schemas.microsoft.com/office/drawing/2010/main">
+        <mc:Choice Requires="a14">
           <p:sp>
             <p:nvSpPr>
               <p:cNvPr id="9" name="文本框 8">
@@ -14649,7 +14645,7 @@
             </p:txBody>
           </p:sp>
         </mc:Choice>
-        <mc:Fallback>
+        <mc:Fallback xmlns="">
           <p:sp>
             <p:nvSpPr>
               <p:cNvPr id="9" name="文本框 8">
@@ -14694,8 +14690,8 @@
           </p:sp>
         </mc:Fallback>
       </mc:AlternateContent>
-      <mc:AlternateContent xmlns:mc="http://schemas.openxmlformats.org/markup-compatibility/2006">
-        <mc:Choice xmlns:a14="http://schemas.microsoft.com/office/drawing/2010/main" Requires="a14">
+      <mc:AlternateContent xmlns:mc="http://schemas.openxmlformats.org/markup-compatibility/2006" xmlns:a14="http://schemas.microsoft.com/office/drawing/2010/main">
+        <mc:Choice Requires="a14">
           <p:sp>
             <p:nvSpPr>
               <p:cNvPr id="10" name="文本框 9">
@@ -14724,6 +14720,7 @@
               </a:bodyPr>
               <a:lstStyle/>
               <a:p>
+                <a:pPr/>
                 <a14:m>
                   <m:oMathPara xmlns:m="http://schemas.openxmlformats.org/officeDocument/2006/math">
                     <m:oMathParaPr>
@@ -14867,7 +14864,7 @@
             </p:txBody>
           </p:sp>
         </mc:Choice>
-        <mc:Fallback>
+        <mc:Fallback xmlns="">
           <p:sp>
             <p:nvSpPr>
               <p:cNvPr id="10" name="文本框 9">
@@ -14954,8 +14951,8 @@
           </a:fontRef>
         </p:style>
       </p:cxnSp>
-      <mc:AlternateContent xmlns:mc="http://schemas.openxmlformats.org/markup-compatibility/2006">
-        <mc:Choice xmlns:a14="http://schemas.microsoft.com/office/drawing/2010/main" Requires="a14">
+      <mc:AlternateContent xmlns:mc="http://schemas.openxmlformats.org/markup-compatibility/2006" xmlns:a14="http://schemas.microsoft.com/office/drawing/2010/main">
+        <mc:Choice Requires="a14">
           <p:sp>
             <p:nvSpPr>
               <p:cNvPr id="14" name="文本框 13">
@@ -15009,13 +15006,7 @@
                           <a:rPr lang="en-US" altLang="zh-CN" sz="1600" b="0" i="1" smtClean="0">
                             <a:latin typeface="Cambria Math" panose="02040503050406030204" pitchFamily="18" charset="0"/>
                           </a:rPr>
-                          <m:t>2</m:t>
-                        </m:r>
-                        <m:r>
-                          <a:rPr lang="en-US" altLang="zh-CN" sz="1600" b="0" i="1" smtClean="0">
-                            <a:latin typeface="Cambria Math" panose="02040503050406030204" pitchFamily="18" charset="0"/>
-                          </a:rPr>
-                          <m:t>×1</m:t>
+                          <m:t>2×1</m:t>
                         </m:r>
                       </m:e>
                     </m:d>
@@ -15053,7 +15044,7 @@
             </p:txBody>
           </p:sp>
         </mc:Choice>
-        <mc:Fallback>
+        <mc:Fallback xmlns="">
           <p:sp>
             <p:nvSpPr>
               <p:cNvPr id="14" name="文本框 13">
@@ -15098,8 +15089,8 @@
           </p:sp>
         </mc:Fallback>
       </mc:AlternateContent>
-      <mc:AlternateContent xmlns:mc="http://schemas.openxmlformats.org/markup-compatibility/2006">
-        <mc:Choice xmlns:a14="http://schemas.microsoft.com/office/drawing/2010/main" Requires="a14">
+      <mc:AlternateContent xmlns:mc="http://schemas.openxmlformats.org/markup-compatibility/2006" xmlns:a14="http://schemas.microsoft.com/office/drawing/2010/main">
+        <mc:Choice Requires="a14">
           <p:sp>
             <p:nvSpPr>
               <p:cNvPr id="15" name="文本框 14">
@@ -15162,7 +15153,7 @@
             </p:txBody>
           </p:sp>
         </mc:Choice>
-        <mc:Fallback>
+        <mc:Fallback xmlns="">
           <p:sp>
             <p:nvSpPr>
               <p:cNvPr id="15" name="文本框 14">
@@ -15295,8 +15286,8 @@
           </a:p>
         </p:txBody>
       </p:sp>
-      <mc:AlternateContent xmlns:mc="http://schemas.openxmlformats.org/markup-compatibility/2006">
-        <mc:Choice xmlns:a14="http://schemas.microsoft.com/office/drawing/2010/main" Requires="a14">
+      <mc:AlternateContent xmlns:mc="http://schemas.openxmlformats.org/markup-compatibility/2006" xmlns:a14="http://schemas.microsoft.com/office/drawing/2010/main">
+        <mc:Choice Requires="a14">
           <p:sp>
             <p:nvSpPr>
               <p:cNvPr id="19" name="文本框 18">
@@ -15350,13 +15341,7 @@
                           <a:rPr lang="en-US" altLang="zh-CN" sz="1600" b="0" i="1" smtClean="0">
                             <a:latin typeface="Cambria Math" panose="02040503050406030204" pitchFamily="18" charset="0"/>
                           </a:rPr>
-                          <m:t>2</m:t>
-                        </m:r>
-                        <m:r>
-                          <a:rPr lang="en-US" altLang="zh-CN" sz="1600" b="0" i="1" smtClean="0">
-                            <a:latin typeface="Cambria Math" panose="02040503050406030204" pitchFamily="18" charset="0"/>
-                          </a:rPr>
-                          <m:t>×1</m:t>
+                          <m:t>2×1</m:t>
                         </m:r>
                       </m:e>
                     </m:d>
@@ -15371,7 +15356,7 @@
             </p:txBody>
           </p:sp>
         </mc:Choice>
-        <mc:Fallback>
+        <mc:Fallback xmlns="">
           <p:sp>
             <p:nvSpPr>
               <p:cNvPr id="19" name="文本框 18">
@@ -15416,8 +15401,8 @@
           </p:sp>
         </mc:Fallback>
       </mc:AlternateContent>
-      <mc:AlternateContent xmlns:mc="http://schemas.openxmlformats.org/markup-compatibility/2006">
-        <mc:Choice xmlns:a14="http://schemas.microsoft.com/office/drawing/2010/main" Requires="a14">
+      <mc:AlternateContent xmlns:mc="http://schemas.openxmlformats.org/markup-compatibility/2006" xmlns:a14="http://schemas.microsoft.com/office/drawing/2010/main">
+        <mc:Choice Requires="a14">
           <p:sp>
             <p:nvSpPr>
               <p:cNvPr id="21" name="文本框 20">
@@ -15659,7 +15644,7 @@
             </p:txBody>
           </p:sp>
         </mc:Choice>
-        <mc:Fallback>
+        <mc:Fallback xmlns="">
           <p:sp>
             <p:nvSpPr>
               <p:cNvPr id="21" name="文本框 20">
@@ -15795,8 +15780,8 @@
           </a:p>
         </p:txBody>
       </p:sp>
-      <mc:AlternateContent xmlns:mc="http://schemas.openxmlformats.org/markup-compatibility/2006">
-        <mc:Choice xmlns:a14="http://schemas.microsoft.com/office/drawing/2010/main" Requires="a14">
+      <mc:AlternateContent xmlns:mc="http://schemas.openxmlformats.org/markup-compatibility/2006" xmlns:a14="http://schemas.microsoft.com/office/drawing/2010/main">
+        <mc:Choice Requires="a14">
           <p:sp>
             <p:nvSpPr>
               <p:cNvPr id="5" name="内容占位符 2">
@@ -18190,7 +18175,7 @@
             </p:txBody>
           </p:sp>
         </mc:Choice>
-        <mc:Fallback>
+        <mc:Fallback xmlns="">
           <p:sp>
             <p:nvSpPr>
               <p:cNvPr id="5" name="内容占位符 2">
@@ -18235,8 +18220,8 @@
           </p:sp>
         </mc:Fallback>
       </mc:AlternateContent>
-      <mc:AlternateContent xmlns:mc="http://schemas.openxmlformats.org/markup-compatibility/2006">
-        <mc:Choice xmlns:a14="http://schemas.microsoft.com/office/drawing/2010/main" Requires="a14">
+      <mc:AlternateContent xmlns:mc="http://schemas.openxmlformats.org/markup-compatibility/2006" xmlns:a14="http://schemas.microsoft.com/office/drawing/2010/main">
+        <mc:Choice Requires="a14">
           <p:sp>
             <p:nvSpPr>
               <p:cNvPr id="6" name="文本框 5">
@@ -18265,6 +18250,7 @@
               </a:bodyPr>
               <a:lstStyle/>
               <a:p>
+                <a:pPr/>
                 <a14:m>
                   <m:oMathPara xmlns:m="http://schemas.openxmlformats.org/officeDocument/2006/math">
                     <m:oMathParaPr>
@@ -18528,6 +18514,7 @@
                 </a:endParaRPr>
               </a:p>
               <a:p>
+                <a:pPr/>
                 <a14:m>
                   <m:oMathPara xmlns:m="http://schemas.openxmlformats.org/officeDocument/2006/math">
                     <m:oMathParaPr>
@@ -19271,7 +19258,7 @@
             </p:txBody>
           </p:sp>
         </mc:Choice>
-        <mc:Fallback>
+        <mc:Fallback xmlns="">
           <p:sp>
             <p:nvSpPr>
               <p:cNvPr id="6" name="文本框 5">
@@ -19316,8 +19303,8 @@
           </p:sp>
         </mc:Fallback>
       </mc:AlternateContent>
-      <mc:AlternateContent xmlns:mc="http://schemas.openxmlformats.org/markup-compatibility/2006">
-        <mc:Choice xmlns:a14="http://schemas.microsoft.com/office/drawing/2010/main" Requires="a14">
+      <mc:AlternateContent xmlns:mc="http://schemas.openxmlformats.org/markup-compatibility/2006" xmlns:a14="http://schemas.microsoft.com/office/drawing/2010/main">
+        <mc:Choice Requires="a14">
           <p:sp>
             <p:nvSpPr>
               <p:cNvPr id="7" name="文本框 6">
@@ -19346,6 +19333,7 @@
               </a:bodyPr>
               <a:lstStyle/>
               <a:p>
+                <a:pPr/>
                 <a14:m>
                   <m:oMathPara xmlns:m="http://schemas.openxmlformats.org/officeDocument/2006/math">
                     <m:oMathParaPr>
@@ -19772,7 +19760,7 @@
             </p:txBody>
           </p:sp>
         </mc:Choice>
-        <mc:Fallback>
+        <mc:Fallback xmlns="">
           <p:sp>
             <p:nvSpPr>
               <p:cNvPr id="7" name="文本框 6">
@@ -19817,8 +19805,8 @@
           </p:sp>
         </mc:Fallback>
       </mc:AlternateContent>
-      <mc:AlternateContent xmlns:mc="http://schemas.openxmlformats.org/markup-compatibility/2006">
-        <mc:Choice xmlns:a14="http://schemas.microsoft.com/office/drawing/2010/main" Requires="a14">
+      <mc:AlternateContent xmlns:mc="http://schemas.openxmlformats.org/markup-compatibility/2006" xmlns:a14="http://schemas.microsoft.com/office/drawing/2010/main">
+        <mc:Choice Requires="a14">
           <p:sp>
             <p:nvSpPr>
               <p:cNvPr id="8" name="文本框 7">
@@ -20060,7 +20048,7 @@
             </p:txBody>
           </p:sp>
         </mc:Choice>
-        <mc:Fallback>
+        <mc:Fallback xmlns="">
           <p:sp>
             <p:nvSpPr>
               <p:cNvPr id="8" name="文本框 7">
@@ -20258,8 +20246,8 @@
           </a:p>
         </p:txBody>
       </p:sp>
-      <mc:AlternateContent xmlns:mc="http://schemas.openxmlformats.org/markup-compatibility/2006">
-        <mc:Choice xmlns:a14="http://schemas.microsoft.com/office/drawing/2010/main" Requires="a14">
+      <mc:AlternateContent xmlns:mc="http://schemas.openxmlformats.org/markup-compatibility/2006" xmlns:a14="http://schemas.microsoft.com/office/drawing/2010/main">
+        <mc:Choice Requires="a14">
           <p:sp>
             <p:nvSpPr>
               <p:cNvPr id="11" name="内容占位符 2">
@@ -21350,13 +21338,7 @@
                       <a:rPr lang="en-US" altLang="zh-CN" sz="1600" b="0" i="1" smtClean="0">
                         <a:latin typeface="Cambria Math" panose="02040503050406030204" pitchFamily="18" charset="0"/>
                       </a:rPr>
-                      <m:t>+=</m:t>
-                    </m:r>
-                    <m:r>
-                      <a:rPr lang="en-US" altLang="zh-CN" sz="1600" b="0" i="1" smtClean="0">
-                        <a:latin typeface="Cambria Math" panose="02040503050406030204" pitchFamily="18" charset="0"/>
-                      </a:rPr>
-                      <m:t>−(</m:t>
+                      <m:t>+=−(</m:t>
                     </m:r>
                     <m:sSub>
                       <m:sSubPr>
@@ -21613,7 +21595,7 @@
             </p:txBody>
           </p:sp>
         </mc:Choice>
-        <mc:Fallback>
+        <mc:Fallback xmlns="">
           <p:sp>
             <p:nvSpPr>
               <p:cNvPr id="11" name="内容占位符 2">

--- a/20220725_Spatial_and_Temporal_Discretization/Spatial_and_Temporal_Discretization.pptx
+++ b/20220725_Spatial_and_Temporal_Discretization/Spatial_and_Temporal_Discretization.pptx
@@ -215,7 +215,7 @@
           <a:p>
             <a:fld id="{63FDC6A3-7C42-4479-866C-9B859DB0775B}" type="datetimeFigureOut">
               <a:rPr lang="zh-CN" altLang="en-US" smtClean="0"/>
-              <a:t>2022/7/23</a:t>
+              <a:t>2022/7/24</a:t>
             </a:fld>
             <a:endParaRPr lang="zh-CN" altLang="en-US"/>
           </a:p>
@@ -526,6 +526,90 @@
           <a:bodyPr/>
           <a:lstStyle/>
           <a:p>
+            <a:endParaRPr lang="zh-CN" altLang="en-US" dirty="0"/>
+          </a:p>
+        </p:txBody>
+      </p:sp>
+      <p:sp>
+        <p:nvSpPr>
+          <p:cNvPr id="4" name="灯片编号占位符 3"/>
+          <p:cNvSpPr>
+            <a:spLocks noGrp="1"/>
+          </p:cNvSpPr>
+          <p:nvPr>
+            <p:ph type="sldNum" sz="quarter" idx="5"/>
+          </p:nvPr>
+        </p:nvSpPr>
+        <p:spPr/>
+        <p:txBody>
+          <a:bodyPr/>
+          <a:lstStyle/>
+          <a:p>
+            <a:fld id="{5A3394F7-11F7-462F-BBE6-C6B05860DB22}" type="slidenum">
+              <a:rPr lang="zh-CN" altLang="en-US" smtClean="0"/>
+              <a:t>5</a:t>
+            </a:fld>
+            <a:endParaRPr lang="zh-CN" altLang="en-US"/>
+          </a:p>
+        </p:txBody>
+      </p:sp>
+    </p:spTree>
+    <p:extLst>
+      <p:ext uri="{BB962C8B-B14F-4D97-AF65-F5344CB8AC3E}">
+        <p14:creationId xmlns:p14="http://schemas.microsoft.com/office/powerpoint/2010/main" val="2138475760"/>
+      </p:ext>
+    </p:extLst>
+  </p:cSld>
+  <p:clrMapOvr>
+    <a:masterClrMapping/>
+  </p:clrMapOvr>
+</p:notes>
+</file>
+
+<file path=ppt/notesSlides/notesSlide2.xml><?xml version="1.0" encoding="utf-8"?>
+<p:notes xmlns:a="http://schemas.openxmlformats.org/drawingml/2006/main" xmlns:r="http://schemas.openxmlformats.org/officeDocument/2006/relationships" xmlns:p="http://schemas.openxmlformats.org/presentationml/2006/main">
+  <p:cSld>
+    <p:spTree>
+      <p:nvGrpSpPr>
+        <p:cNvPr id="1" name=""/>
+        <p:cNvGrpSpPr/>
+        <p:nvPr/>
+      </p:nvGrpSpPr>
+      <p:grpSpPr>
+        <a:xfrm>
+          <a:off x="0" y="0"/>
+          <a:ext cx="0" cy="0"/>
+          <a:chOff x="0" y="0"/>
+          <a:chExt cx="0" cy="0"/>
+        </a:xfrm>
+      </p:grpSpPr>
+      <p:sp>
+        <p:nvSpPr>
+          <p:cNvPr id="2" name="幻灯片图像占位符 1"/>
+          <p:cNvSpPr>
+            <a:spLocks noGrp="1" noRot="1" noChangeAspect="1"/>
+          </p:cNvSpPr>
+          <p:nvPr>
+            <p:ph type="sldImg"/>
+          </p:nvPr>
+        </p:nvSpPr>
+        <p:spPr/>
+      </p:sp>
+      <p:sp>
+        <p:nvSpPr>
+          <p:cNvPr id="3" name="备注占位符 2"/>
+          <p:cNvSpPr>
+            <a:spLocks noGrp="1"/>
+          </p:cNvSpPr>
+          <p:nvPr>
+            <p:ph type="body" idx="1"/>
+          </p:nvPr>
+        </p:nvSpPr>
+        <p:spPr/>
+        <p:txBody>
+          <a:bodyPr/>
+          <a:lstStyle/>
+          <a:p>
             <a:r>
               <a:rPr lang="zh-CN" altLang="en-US" dirty="0"/>
               <a:t>在一个小的邻域内，可以把</a:t>
@@ -581,7 +665,7 @@
 </p:notes>
 </file>
 
-<file path=ppt/notesSlides/notesSlide2.xml><?xml version="1.0" encoding="utf-8"?>
+<file path=ppt/notesSlides/notesSlide3.xml><?xml version="1.0" encoding="utf-8"?>
 <p:notes xmlns:a="http://schemas.openxmlformats.org/drawingml/2006/main" xmlns:r="http://schemas.openxmlformats.org/officeDocument/2006/relationships" xmlns:p="http://schemas.openxmlformats.org/presentationml/2006/main">
   <p:cSld>
     <p:spTree>
@@ -672,7 +756,7 @@
 </p:notes>
 </file>
 
-<file path=ppt/notesSlides/notesSlide3.xml><?xml version="1.0" encoding="utf-8"?>
+<file path=ppt/notesSlides/notesSlide4.xml><?xml version="1.0" encoding="utf-8"?>
 <p:notes xmlns:a="http://schemas.openxmlformats.org/drawingml/2006/main" xmlns:r="http://schemas.openxmlformats.org/officeDocument/2006/relationships" xmlns:p="http://schemas.openxmlformats.org/presentationml/2006/main">
   <p:cSld>
     <p:spTree>
@@ -775,7 +859,7 @@
 </p:notes>
 </file>
 
-<file path=ppt/notesSlides/notesSlide4.xml><?xml version="1.0" encoding="utf-8"?>
+<file path=ppt/notesSlides/notesSlide5.xml><?xml version="1.0" encoding="utf-8"?>
 <p:notes xmlns:a="http://schemas.openxmlformats.org/drawingml/2006/main" xmlns:r="http://schemas.openxmlformats.org/officeDocument/2006/relationships" xmlns:p="http://schemas.openxmlformats.org/presentationml/2006/main">
   <p:cSld>
     <p:spTree>
@@ -988,7 +1072,7 @@
 </p:notes>
 </file>
 
-<file path=ppt/notesSlides/notesSlide5.xml><?xml version="1.0" encoding="utf-8"?>
+<file path=ppt/notesSlides/notesSlide6.xml><?xml version="1.0" encoding="utf-8"?>
 <p:notes xmlns:a="http://schemas.openxmlformats.org/drawingml/2006/main" xmlns:r="http://schemas.openxmlformats.org/officeDocument/2006/relationships" xmlns:p="http://schemas.openxmlformats.org/presentationml/2006/main">
   <p:cSld>
     <p:spTree>
@@ -1090,7 +1174,7 @@
 </p:notes>
 </file>
 
-<file path=ppt/notesSlides/notesSlide6.xml><?xml version="1.0" encoding="utf-8"?>
+<file path=ppt/notesSlides/notesSlide7.xml><?xml version="1.0" encoding="utf-8"?>
 <p:notes xmlns:a="http://schemas.openxmlformats.org/drawingml/2006/main" xmlns:r="http://schemas.openxmlformats.org/officeDocument/2006/relationships" xmlns:p="http://schemas.openxmlformats.org/presentationml/2006/main">
   <p:cSld>
     <p:spTree>
@@ -1174,7 +1258,7 @@
 </p:notes>
 </file>
 
-<file path=ppt/notesSlides/notesSlide7.xml><?xml version="1.0" encoding="utf-8"?>
+<file path=ppt/notesSlides/notesSlide8.xml><?xml version="1.0" encoding="utf-8"?>
 <p:notes xmlns:a="http://schemas.openxmlformats.org/drawingml/2006/main" xmlns:r="http://schemas.openxmlformats.org/officeDocument/2006/relationships" xmlns:p="http://schemas.openxmlformats.org/presentationml/2006/main">
   <p:cSld>
     <p:spTree>
@@ -1405,7 +1489,7 @@
           <a:p>
             <a:fld id="{33791A2C-FC72-48B7-BD31-E3696B249E7F}" type="datetimeFigureOut">
               <a:rPr lang="zh-CN" altLang="en-US" smtClean="0"/>
-              <a:t>2022/7/23</a:t>
+              <a:t>2022/7/24</a:t>
             </a:fld>
             <a:endParaRPr lang="zh-CN" altLang="en-US"/>
           </a:p>
@@ -1603,7 +1687,7 @@
           <a:p>
             <a:fld id="{33791A2C-FC72-48B7-BD31-E3696B249E7F}" type="datetimeFigureOut">
               <a:rPr lang="zh-CN" altLang="en-US" smtClean="0"/>
-              <a:t>2022/7/23</a:t>
+              <a:t>2022/7/24</a:t>
             </a:fld>
             <a:endParaRPr lang="zh-CN" altLang="en-US"/>
           </a:p>
@@ -1811,7 +1895,7 @@
           <a:p>
             <a:fld id="{33791A2C-FC72-48B7-BD31-E3696B249E7F}" type="datetimeFigureOut">
               <a:rPr lang="zh-CN" altLang="en-US" smtClean="0"/>
-              <a:t>2022/7/23</a:t>
+              <a:t>2022/7/24</a:t>
             </a:fld>
             <a:endParaRPr lang="zh-CN" altLang="en-US"/>
           </a:p>
@@ -2009,7 +2093,7 @@
           <a:p>
             <a:fld id="{33791A2C-FC72-48B7-BD31-E3696B249E7F}" type="datetimeFigureOut">
               <a:rPr lang="zh-CN" altLang="en-US" smtClean="0"/>
-              <a:t>2022/7/23</a:t>
+              <a:t>2022/7/24</a:t>
             </a:fld>
             <a:endParaRPr lang="zh-CN" altLang="en-US"/>
           </a:p>
@@ -2284,7 +2368,7 @@
           <a:p>
             <a:fld id="{33791A2C-FC72-48B7-BD31-E3696B249E7F}" type="datetimeFigureOut">
               <a:rPr lang="zh-CN" altLang="en-US" smtClean="0"/>
-              <a:t>2022/7/23</a:t>
+              <a:t>2022/7/24</a:t>
             </a:fld>
             <a:endParaRPr lang="zh-CN" altLang="en-US"/>
           </a:p>
@@ -2549,7 +2633,7 @@
           <a:p>
             <a:fld id="{33791A2C-FC72-48B7-BD31-E3696B249E7F}" type="datetimeFigureOut">
               <a:rPr lang="zh-CN" altLang="en-US" smtClean="0"/>
-              <a:t>2022/7/23</a:t>
+              <a:t>2022/7/24</a:t>
             </a:fld>
             <a:endParaRPr lang="zh-CN" altLang="en-US"/>
           </a:p>
@@ -2961,7 +3045,7 @@
           <a:p>
             <a:fld id="{33791A2C-FC72-48B7-BD31-E3696B249E7F}" type="datetimeFigureOut">
               <a:rPr lang="zh-CN" altLang="en-US" smtClean="0"/>
-              <a:t>2022/7/23</a:t>
+              <a:t>2022/7/24</a:t>
             </a:fld>
             <a:endParaRPr lang="zh-CN" altLang="en-US"/>
           </a:p>
@@ -3102,7 +3186,7 @@
           <a:p>
             <a:fld id="{33791A2C-FC72-48B7-BD31-E3696B249E7F}" type="datetimeFigureOut">
               <a:rPr lang="zh-CN" altLang="en-US" smtClean="0"/>
-              <a:t>2022/7/23</a:t>
+              <a:t>2022/7/24</a:t>
             </a:fld>
             <a:endParaRPr lang="zh-CN" altLang="en-US"/>
           </a:p>
@@ -3215,7 +3299,7 @@
           <a:p>
             <a:fld id="{33791A2C-FC72-48B7-BD31-E3696B249E7F}" type="datetimeFigureOut">
               <a:rPr lang="zh-CN" altLang="en-US" smtClean="0"/>
-              <a:t>2022/7/23</a:t>
+              <a:t>2022/7/24</a:t>
             </a:fld>
             <a:endParaRPr lang="zh-CN" altLang="en-US"/>
           </a:p>
@@ -3526,7 +3610,7 @@
           <a:p>
             <a:fld id="{33791A2C-FC72-48B7-BD31-E3696B249E7F}" type="datetimeFigureOut">
               <a:rPr lang="zh-CN" altLang="en-US" smtClean="0"/>
-              <a:t>2022/7/23</a:t>
+              <a:t>2022/7/24</a:t>
             </a:fld>
             <a:endParaRPr lang="zh-CN" altLang="en-US"/>
           </a:p>
@@ -3814,7 +3898,7 @@
           <a:p>
             <a:fld id="{33791A2C-FC72-48B7-BD31-E3696B249E7F}" type="datetimeFigureOut">
               <a:rPr lang="zh-CN" altLang="en-US" smtClean="0"/>
-              <a:t>2022/7/23</a:t>
+              <a:t>2022/7/24</a:t>
             </a:fld>
             <a:endParaRPr lang="zh-CN" altLang="en-US"/>
           </a:p>
@@ -4055,7 +4139,7 @@
           <a:p>
             <a:fld id="{33791A2C-FC72-48B7-BD31-E3696B249E7F}" type="datetimeFigureOut">
               <a:rPr lang="zh-CN" altLang="en-US" smtClean="0"/>
-              <a:t>2022/7/23</a:t>
+              <a:t>2022/7/24</a:t>
             </a:fld>
             <a:endParaRPr lang="zh-CN" altLang="en-US"/>
           </a:p>
@@ -22027,8 +22111,71 @@
             </a:r>
           </a:p>
           <a:p>
+            <a:endParaRPr lang="en-US" altLang="zh-CN" sz="2400" dirty="0"/>
+          </a:p>
+          <a:p>
+            <a:endParaRPr lang="en-US" altLang="zh-CN" sz="2400" dirty="0"/>
+          </a:p>
+          <a:p>
+            <a:endParaRPr lang="en-US" altLang="zh-CN" sz="2400" dirty="0"/>
+          </a:p>
+          <a:p>
             <a:pPr lvl="1"/>
             <a:endParaRPr lang="en-US" altLang="zh-CN" dirty="0"/>
+          </a:p>
+        </p:txBody>
+      </p:sp>
+      <p:sp>
+        <p:nvSpPr>
+          <p:cNvPr id="7" name="文本框 6">
+            <a:extLst>
+              <a:ext uri="{FF2B5EF4-FFF2-40B4-BE49-F238E27FC236}">
+                <a16:creationId xmlns:a16="http://schemas.microsoft.com/office/drawing/2014/main" id="{60BC315C-F1B5-98E8-97F5-DE936168FAC8}"/>
+              </a:ext>
+            </a:extLst>
+          </p:cNvPr>
+          <p:cNvSpPr txBox="1"/>
+          <p:nvPr/>
+        </p:nvSpPr>
+        <p:spPr>
+          <a:xfrm>
+            <a:off x="1209781" y="6078865"/>
+            <a:ext cx="9403423" cy="523220"/>
+          </a:xfrm>
+          <a:prstGeom prst="rect">
+            <a:avLst/>
+          </a:prstGeom>
+          <a:noFill/>
+        </p:spPr>
+        <p:txBody>
+          <a:bodyPr wrap="square">
+            <a:spAutoFit/>
+          </a:bodyPr>
+          <a:lstStyle/>
+          <a:p>
+            <a:pPr marL="0" indent="0">
+              <a:buNone/>
+            </a:pPr>
+            <a:r>
+              <a:rPr lang="en-US" altLang="zh-CN" sz="1400" dirty="0"/>
+              <a:t>All relevant files (ppt, pdf, image, code, video):</a:t>
+            </a:r>
+          </a:p>
+          <a:p>
+            <a:pPr marL="0" indent="0">
+              <a:buNone/>
+            </a:pPr>
+            <a:r>
+              <a:rPr lang="en-US" altLang="zh-CN" sz="1400" dirty="0"/>
+              <a:t> </a:t>
+            </a:r>
+            <a:r>
+              <a:rPr lang="en-US" altLang="zh-CN" sz="1400" dirty="0">
+                <a:hlinkClick r:id="rId7"/>
+              </a:rPr>
+              <a:t>https://github.com/LILKOTYO/Lab-Presentation/tree/master/20220725_Spatial_and_Temporal_Discretization</a:t>
+            </a:r>
+            <a:endParaRPr lang="en-US" altLang="zh-CN" sz="1400" dirty="0"/>
           </a:p>
         </p:txBody>
       </p:sp>
@@ -25946,7 +26093,7 @@
                 <a:ext cx="10515600" cy="4351338"/>
               </a:xfrm>
               <a:blipFill>
-                <a:blip r:embed="rId2"/>
+                <a:blip r:embed="rId3"/>
                 <a:stretch>
                   <a:fillRect l="-1217" t="-2521"/>
                 </a:stretch>
@@ -25982,7 +26129,7 @@
           <p:nvPr/>
         </p:nvPicPr>
         <p:blipFill>
-          <a:blip r:embed="rId3">
+          <a:blip r:embed="rId4">
             <a:extLst>
               <a:ext uri="{28A0092B-C50C-407E-A947-70E740481C1C}">
                 <a14:useLocalDpi xmlns:a14="http://schemas.microsoft.com/office/drawing/2010/main" val="0"/>
@@ -26018,7 +26165,7 @@
           <p:nvPr/>
         </p:nvPicPr>
         <p:blipFill>
-          <a:blip r:embed="rId4">
+          <a:blip r:embed="rId5">
             <a:extLst>
               <a:ext uri="{28A0092B-C50C-407E-A947-70E740481C1C}">
                 <a14:useLocalDpi xmlns:a14="http://schemas.microsoft.com/office/drawing/2010/main" val="0"/>
@@ -28878,7 +29025,7 @@
               <a:rPr lang="en-US" altLang="zh-CN" sz="1800" b="0" i="0" u="none" strike="noStrike" baseline="0" dirty="0">
                 <a:latin typeface="Calibri Light" panose="020F0302020204030204" pitchFamily="34" charset="0"/>
               </a:rPr>
-              <a:t>and is widely used in performance centric applications. (game / MR / design / animation)</a:t>
+              <a:t>and is widely used in performance centric applications. (game / design / animation)</a:t>
             </a:r>
             <a:endParaRPr lang="zh-CN" altLang="en-US" b="1" dirty="0"/>
           </a:p>

--- a/20220725_Spatial_and_Temporal_Discretization/Spatial_and_Temporal_Discretization.pptx
+++ b/20220725_Spatial_and_Temporal_Discretization/Spatial_and_Temporal_Discretization.pptx
@@ -215,7 +215,7 @@
           <a:p>
             <a:fld id="{63FDC6A3-7C42-4479-866C-9B859DB0775B}" type="datetimeFigureOut">
               <a:rPr lang="zh-CN" altLang="en-US" smtClean="0"/>
-              <a:t>2022/7/24</a:t>
+              <a:t>2022/7/25</a:t>
             </a:fld>
             <a:endParaRPr lang="zh-CN" altLang="en-US"/>
           </a:p>
@@ -1021,19 +1021,6 @@
               <a:latin typeface="Arial" panose="020B0604020202020204" pitchFamily="34" charset="0"/>
             </a:endParaRPr>
           </a:p>
-          <a:p>
-            <a:r>
-              <a:rPr lang="zh-CN" altLang="en-US" b="0" i="0" dirty="0">
-                <a:solidFill>
-                  <a:srgbClr val="222222"/>
-                </a:solidFill>
-                <a:effectLst/>
-                <a:latin typeface="Arial" panose="020B0604020202020204" pitchFamily="34" charset="0"/>
-              </a:rPr>
-              <a:t>应力张量</a:t>
-            </a:r>
-            <a:endParaRPr lang="zh-CN" altLang="en-US" dirty="0"/>
-          </a:p>
         </p:txBody>
       </p:sp>
       <p:sp>
@@ -1116,25 +1103,7 @@
           <a:bodyPr/>
           <a:lstStyle/>
           <a:p>
-            <a:r>
-              <a:rPr lang="zh-CN" altLang="en-US" dirty="0"/>
-              <a:t>首先是看一个四面体的情况</a:t>
-            </a:r>
-            <a:endParaRPr lang="en-US" altLang="zh-CN" dirty="0"/>
-          </a:p>
-          <a:p>
-            <a:r>
-              <a:rPr lang="zh-CN" altLang="en-US" dirty="0"/>
-              <a:t>然后把视角放到全局，一个百变怪，或者说一个软体物体，由很多很多个四面体构成，那么对第</a:t>
-            </a:r>
-            <a:r>
-              <a:rPr lang="en-US" altLang="zh-CN" dirty="0"/>
-              <a:t>e</a:t>
-            </a:r>
-            <a:r>
-              <a:rPr lang="zh-CN" altLang="en-US" dirty="0"/>
-              <a:t>个四面体来说，有：</a:t>
-            </a:r>
+            <a:endParaRPr lang="zh-CN" altLang="en-US" dirty="0"/>
           </a:p>
         </p:txBody>
       </p:sp>
@@ -1489,7 +1458,7 @@
           <a:p>
             <a:fld id="{33791A2C-FC72-48B7-BD31-E3696B249E7F}" type="datetimeFigureOut">
               <a:rPr lang="zh-CN" altLang="en-US" smtClean="0"/>
-              <a:t>2022/7/24</a:t>
+              <a:t>2022/7/25</a:t>
             </a:fld>
             <a:endParaRPr lang="zh-CN" altLang="en-US"/>
           </a:p>
@@ -1687,7 +1656,7 @@
           <a:p>
             <a:fld id="{33791A2C-FC72-48B7-BD31-E3696B249E7F}" type="datetimeFigureOut">
               <a:rPr lang="zh-CN" altLang="en-US" smtClean="0"/>
-              <a:t>2022/7/24</a:t>
+              <a:t>2022/7/25</a:t>
             </a:fld>
             <a:endParaRPr lang="zh-CN" altLang="en-US"/>
           </a:p>
@@ -1895,7 +1864,7 @@
           <a:p>
             <a:fld id="{33791A2C-FC72-48B7-BD31-E3696B249E7F}" type="datetimeFigureOut">
               <a:rPr lang="zh-CN" altLang="en-US" smtClean="0"/>
-              <a:t>2022/7/24</a:t>
+              <a:t>2022/7/25</a:t>
             </a:fld>
             <a:endParaRPr lang="zh-CN" altLang="en-US"/>
           </a:p>
@@ -2093,7 +2062,7 @@
           <a:p>
             <a:fld id="{33791A2C-FC72-48B7-BD31-E3696B249E7F}" type="datetimeFigureOut">
               <a:rPr lang="zh-CN" altLang="en-US" smtClean="0"/>
-              <a:t>2022/7/24</a:t>
+              <a:t>2022/7/25</a:t>
             </a:fld>
             <a:endParaRPr lang="zh-CN" altLang="en-US"/>
           </a:p>
@@ -2368,7 +2337,7 @@
           <a:p>
             <a:fld id="{33791A2C-FC72-48B7-BD31-E3696B249E7F}" type="datetimeFigureOut">
               <a:rPr lang="zh-CN" altLang="en-US" smtClean="0"/>
-              <a:t>2022/7/24</a:t>
+              <a:t>2022/7/25</a:t>
             </a:fld>
             <a:endParaRPr lang="zh-CN" altLang="en-US"/>
           </a:p>
@@ -2633,7 +2602,7 @@
           <a:p>
             <a:fld id="{33791A2C-FC72-48B7-BD31-E3696B249E7F}" type="datetimeFigureOut">
               <a:rPr lang="zh-CN" altLang="en-US" smtClean="0"/>
-              <a:t>2022/7/24</a:t>
+              <a:t>2022/7/25</a:t>
             </a:fld>
             <a:endParaRPr lang="zh-CN" altLang="en-US"/>
           </a:p>
@@ -3045,7 +3014,7 @@
           <a:p>
             <a:fld id="{33791A2C-FC72-48B7-BD31-E3696B249E7F}" type="datetimeFigureOut">
               <a:rPr lang="zh-CN" altLang="en-US" smtClean="0"/>
-              <a:t>2022/7/24</a:t>
+              <a:t>2022/7/25</a:t>
             </a:fld>
             <a:endParaRPr lang="zh-CN" altLang="en-US"/>
           </a:p>
@@ -3186,7 +3155,7 @@
           <a:p>
             <a:fld id="{33791A2C-FC72-48B7-BD31-E3696B249E7F}" type="datetimeFigureOut">
               <a:rPr lang="zh-CN" altLang="en-US" smtClean="0"/>
-              <a:t>2022/7/24</a:t>
+              <a:t>2022/7/25</a:t>
             </a:fld>
             <a:endParaRPr lang="zh-CN" altLang="en-US"/>
           </a:p>
@@ -3299,7 +3268,7 @@
           <a:p>
             <a:fld id="{33791A2C-FC72-48B7-BD31-E3696B249E7F}" type="datetimeFigureOut">
               <a:rPr lang="zh-CN" altLang="en-US" smtClean="0"/>
-              <a:t>2022/7/24</a:t>
+              <a:t>2022/7/25</a:t>
             </a:fld>
             <a:endParaRPr lang="zh-CN" altLang="en-US"/>
           </a:p>
@@ -3610,7 +3579,7 @@
           <a:p>
             <a:fld id="{33791A2C-FC72-48B7-BD31-E3696B249E7F}" type="datetimeFigureOut">
               <a:rPr lang="zh-CN" altLang="en-US" smtClean="0"/>
-              <a:t>2022/7/24</a:t>
+              <a:t>2022/7/25</a:t>
             </a:fld>
             <a:endParaRPr lang="zh-CN" altLang="en-US"/>
           </a:p>
@@ -3898,7 +3867,7 @@
           <a:p>
             <a:fld id="{33791A2C-FC72-48B7-BD31-E3696B249E7F}" type="datetimeFigureOut">
               <a:rPr lang="zh-CN" altLang="en-US" smtClean="0"/>
-              <a:t>2022/7/24</a:t>
+              <a:t>2022/7/25</a:t>
             </a:fld>
             <a:endParaRPr lang="zh-CN" altLang="en-US"/>
           </a:p>
@@ -4139,7 +4108,7 @@
           <a:p>
             <a:fld id="{33791A2C-FC72-48B7-BD31-E3696B249E7F}" type="datetimeFigureOut">
               <a:rPr lang="zh-CN" altLang="en-US" smtClean="0"/>
-              <a:t>2022/7/24</a:t>
+              <a:t>2022/7/25</a:t>
             </a:fld>
             <a:endParaRPr lang="zh-CN" altLang="en-US"/>
           </a:p>
@@ -9237,8 +9206,8 @@
           </p:sp>
         </mc:Fallback>
       </mc:AlternateContent>
-      <mc:AlternateContent xmlns:mc="http://schemas.openxmlformats.org/markup-compatibility/2006" xmlns:a14="http://schemas.microsoft.com/office/drawing/2010/main">
-        <mc:Choice Requires="a14">
+      <mc:AlternateContent xmlns:mc="http://schemas.openxmlformats.org/markup-compatibility/2006">
+        <mc:Choice xmlns:a14="http://schemas.microsoft.com/office/drawing/2010/main" Requires="a14">
           <p:sp>
             <p:nvSpPr>
               <p:cNvPr id="19" name="文本框 18">
@@ -9253,7 +9222,7 @@
             </p:nvSpPr>
             <p:spPr>
               <a:xfrm>
-                <a:off x="8263178" y="3568250"/>
+                <a:off x="8224906" y="3865050"/>
                 <a:ext cx="1298048" cy="307777"/>
               </a:xfrm>
               <a:prstGeom prst="rect">
@@ -9319,7 +9288,7 @@
             </p:txBody>
           </p:sp>
         </mc:Choice>
-        <mc:Fallback xmlns="">
+        <mc:Fallback>
           <p:sp>
             <p:nvSpPr>
               <p:cNvPr id="19" name="文本框 18">
@@ -9336,7 +9305,7 @@
             </p:nvSpPr>
             <p:spPr>
               <a:xfrm>
-                <a:off x="8263178" y="3568250"/>
+                <a:off x="8224906" y="3865050"/>
                 <a:ext cx="1298048" cy="307777"/>
               </a:xfrm>
               <a:prstGeom prst="rect">
@@ -9345,7 +9314,7 @@
               <a:blipFill>
                 <a:blip r:embed="rId13"/>
                 <a:stretch>
-                  <a:fillRect l="-1887" r="-3302" b="-5882"/>
+                  <a:fillRect l="-1878" r="-2817" b="-5882"/>
                 </a:stretch>
               </a:blipFill>
             </p:spPr>
@@ -9364,6 +9333,50 @@
           </p:sp>
         </mc:Fallback>
       </mc:AlternateContent>
+      <p:sp>
+        <p:nvSpPr>
+          <p:cNvPr id="2" name="文本框 1">
+            <a:extLst>
+              <a:ext uri="{FF2B5EF4-FFF2-40B4-BE49-F238E27FC236}">
+                <a16:creationId xmlns:a16="http://schemas.microsoft.com/office/drawing/2014/main" id="{541EF155-7EA4-47B6-B077-4C3E3D7EB1EC}"/>
+              </a:ext>
+            </a:extLst>
+          </p:cNvPr>
+          <p:cNvSpPr txBox="1"/>
+          <p:nvPr/>
+        </p:nvSpPr>
+        <p:spPr>
+          <a:xfrm>
+            <a:off x="8668135" y="3435791"/>
+            <a:ext cx="2327881" cy="369332"/>
+          </a:xfrm>
+          <a:prstGeom prst="rect">
+            <a:avLst/>
+          </a:prstGeom>
+          <a:noFill/>
+        </p:spPr>
+        <p:txBody>
+          <a:bodyPr wrap="none" rtlCol="0">
+            <a:spAutoFit/>
+          </a:bodyPr>
+          <a:lstStyle/>
+          <a:p>
+            <a:r>
+              <a:rPr lang="en-US" altLang="zh-CN" dirty="0">
+                <a:solidFill>
+                  <a:srgbClr val="A9D18E"/>
+                </a:solidFill>
+              </a:rPr>
+              <a:t>Deformation gradient</a:t>
+            </a:r>
+            <a:endParaRPr lang="zh-CN" altLang="en-US" dirty="0">
+              <a:solidFill>
+                <a:srgbClr val="A9D18E"/>
+              </a:solidFill>
+            </a:endParaRPr>
+          </a:p>
+        </p:txBody>
+      </p:sp>
     </p:spTree>
     <p:extLst>
       <p:ext uri="{BB962C8B-B14F-4D97-AF65-F5344CB8AC3E}">
@@ -15485,8 +15498,8 @@
           </p:sp>
         </mc:Fallback>
       </mc:AlternateContent>
-      <mc:AlternateContent xmlns:mc="http://schemas.openxmlformats.org/markup-compatibility/2006" xmlns:a14="http://schemas.microsoft.com/office/drawing/2010/main">
-        <mc:Choice Requires="a14">
+      <mc:AlternateContent xmlns:mc="http://schemas.openxmlformats.org/markup-compatibility/2006">
+        <mc:Choice xmlns:a14="http://schemas.microsoft.com/office/drawing/2010/main" Requires="a14">
           <p:sp>
             <p:nvSpPr>
               <p:cNvPr id="21" name="文本框 20">
@@ -15502,7 +15515,7 @@
             <p:spPr>
               <a:xfrm>
                 <a:off x="990600" y="6464300"/>
-                <a:ext cx="5087739" cy="371448"/>
+                <a:ext cx="4950907" cy="336695"/>
               </a:xfrm>
               <a:prstGeom prst="rect">
                 <a:avLst/>
@@ -15659,68 +15672,55 @@
                       </a:rPr>
                       <m:t>=</m:t>
                     </m:r>
-                    <m:rad>
-                      <m:radPr>
-                        <m:degHide m:val="on"/>
+                    <m:r>
+                      <a:rPr lang="en-US" altLang="zh-CN" sz="1400" i="1">
+                        <a:latin typeface="Cambria Math" panose="02040503050406030204" pitchFamily="18" charset="0"/>
+                      </a:rPr>
+                      <m:t>𝑡𝑟</m:t>
+                    </m:r>
+                    <m:r>
+                      <a:rPr lang="en-US" altLang="zh-CN" sz="1400" i="1">
+                        <a:latin typeface="Cambria Math" panose="02040503050406030204" pitchFamily="18" charset="0"/>
+                      </a:rPr>
+                      <m:t>(</m:t>
+                    </m:r>
+                    <m:sSup>
+                      <m:sSupPr>
                         <m:ctrlPr>
-                          <a:rPr lang="en-US" altLang="zh-CN" sz="1400" b="0" i="1" smtClean="0">
+                          <a:rPr lang="en-US" altLang="zh-CN" sz="1400" i="1">
                             <a:latin typeface="Cambria Math" panose="02040503050406030204" pitchFamily="18" charset="0"/>
                           </a:rPr>
                         </m:ctrlPr>
-                      </m:radPr>
-                      <m:deg/>
+                      </m:sSupPr>
                       <m:e>
                         <m:r>
-                          <a:rPr lang="en-US" altLang="zh-CN" sz="1400" b="0" i="1" smtClean="0">
-                            <a:latin typeface="Cambria Math" panose="02040503050406030204" pitchFamily="18" charset="0"/>
-                          </a:rPr>
-                          <m:t>𝑡𝑟</m:t>
-                        </m:r>
-                        <m:r>
-                          <a:rPr lang="en-US" altLang="zh-CN" sz="1400" b="0" i="1" smtClean="0">
-                            <a:latin typeface="Cambria Math" panose="02040503050406030204" pitchFamily="18" charset="0"/>
-                          </a:rPr>
-                          <m:t>(</m:t>
-                        </m:r>
-                        <m:sSup>
-                          <m:sSupPr>
-                            <m:ctrlPr>
-                              <a:rPr lang="en-US" altLang="zh-CN" sz="1400" b="0" i="1" smtClean="0">
-                                <a:latin typeface="Cambria Math" panose="02040503050406030204" pitchFamily="18" charset="0"/>
-                              </a:rPr>
-                            </m:ctrlPr>
-                          </m:sSupPr>
-                          <m:e>
-                            <m:r>
-                              <a:rPr lang="en-US" altLang="zh-CN" sz="1400" b="0" i="1" smtClean="0">
-                                <a:latin typeface="Cambria Math" panose="02040503050406030204" pitchFamily="18" charset="0"/>
-                              </a:rPr>
-                              <m:t>𝐴</m:t>
-                            </m:r>
-                          </m:e>
-                          <m:sup>
-                            <m:r>
-                              <a:rPr lang="en-US" altLang="zh-CN" sz="1400" b="0" i="1" smtClean="0">
-                                <a:latin typeface="Cambria Math" panose="02040503050406030204" pitchFamily="18" charset="0"/>
-                              </a:rPr>
-                              <m:t>𝑇</m:t>
-                            </m:r>
-                          </m:sup>
-                        </m:sSup>
-                        <m:r>
-                          <a:rPr lang="en-US" altLang="zh-CN" sz="1400" b="0" i="1" smtClean="0">
-                            <a:latin typeface="Cambria Math" panose="02040503050406030204" pitchFamily="18" charset="0"/>
-                          </a:rPr>
-                          <m:t>𝐵</m:t>
-                        </m:r>
-                        <m:r>
-                          <a:rPr lang="en-US" altLang="zh-CN" sz="1400" b="0" i="1" smtClean="0">
-                            <a:latin typeface="Cambria Math" panose="02040503050406030204" pitchFamily="18" charset="0"/>
-                          </a:rPr>
-                          <m:t>)</m:t>
+                          <a:rPr lang="en-US" altLang="zh-CN" sz="1400" i="1">
+                            <a:latin typeface="Cambria Math" panose="02040503050406030204" pitchFamily="18" charset="0"/>
+                          </a:rPr>
+                          <m:t>𝐴</m:t>
                         </m:r>
                       </m:e>
-                    </m:rad>
+                      <m:sup>
+                        <m:r>
+                          <a:rPr lang="en-US" altLang="zh-CN" sz="1400" i="1">
+                            <a:latin typeface="Cambria Math" panose="02040503050406030204" pitchFamily="18" charset="0"/>
+                          </a:rPr>
+                          <m:t>𝑇</m:t>
+                        </m:r>
+                      </m:sup>
+                    </m:sSup>
+                    <m:r>
+                      <a:rPr lang="en-US" altLang="zh-CN" sz="1400" i="1">
+                        <a:latin typeface="Cambria Math" panose="02040503050406030204" pitchFamily="18" charset="0"/>
+                      </a:rPr>
+                      <m:t>𝐵</m:t>
+                    </m:r>
+                    <m:r>
+                      <a:rPr lang="en-US" altLang="zh-CN" sz="1400" i="1">
+                        <a:latin typeface="Cambria Math" panose="02040503050406030204" pitchFamily="18" charset="0"/>
+                      </a:rPr>
+                      <m:t>)</m:t>
+                    </m:r>
                   </m:oMath>
                 </a14:m>
                 <a:endParaRPr lang="zh-CN" altLang="en-US" sz="1400" dirty="0"/>
@@ -15728,7 +15728,7 @@
             </p:txBody>
           </p:sp>
         </mc:Choice>
-        <mc:Fallback xmlns="">
+        <mc:Fallback>
           <p:sp>
             <p:nvSpPr>
               <p:cNvPr id="21" name="文本框 20">
@@ -15746,7 +15746,7 @@
             <p:spPr>
               <a:xfrm>
                 <a:off x="990600" y="6464300"/>
-                <a:ext cx="5087739" cy="371448"/>
+                <a:ext cx="4950907" cy="336695"/>
               </a:xfrm>
               <a:prstGeom prst="rect">
                 <a:avLst/>
@@ -15754,7 +15754,7 @@
               <a:blipFill>
                 <a:blip r:embed="rId9"/>
                 <a:stretch>
-                  <a:fillRect l="-360" t="-73770" b="-126230"/>
+                  <a:fillRect l="-369" t="-91071" b="-135714"/>
                 </a:stretch>
               </a:blipFill>
             </p:spPr>
@@ -19889,14 +19889,76 @@
           </p:sp>
         </mc:Fallback>
       </mc:AlternateContent>
-      <mc:AlternateContent xmlns:mc="http://schemas.openxmlformats.org/markup-compatibility/2006" xmlns:a14="http://schemas.microsoft.com/office/drawing/2010/main">
-        <mc:Choice Requires="a14">
+      <p:sp>
+        <p:nvSpPr>
+          <p:cNvPr id="9" name="文本框 8">
+            <a:extLst>
+              <a:ext uri="{FF2B5EF4-FFF2-40B4-BE49-F238E27FC236}">
+                <a16:creationId xmlns:a16="http://schemas.microsoft.com/office/drawing/2014/main" id="{986992AD-C822-4F5C-EAA0-E53CE47B53D7}"/>
+              </a:ext>
+            </a:extLst>
+          </p:cNvPr>
+          <p:cNvSpPr txBox="1"/>
+          <p:nvPr/>
+        </p:nvSpPr>
+        <p:spPr>
+          <a:xfrm>
+            <a:off x="7029656" y="5528951"/>
+            <a:ext cx="4251485" cy="584775"/>
+          </a:xfrm>
+          <a:prstGeom prst="rect">
+            <a:avLst/>
+          </a:prstGeom>
+          <a:noFill/>
+        </p:spPr>
+        <p:txBody>
+          <a:bodyPr wrap="none" rtlCol="0">
+            <a:spAutoFit/>
+          </a:bodyPr>
+          <a:lstStyle/>
+          <a:p>
+            <a:r>
+              <a:rPr lang="en-US" altLang="zh-CN" sz="1600" dirty="0">
+                <a:solidFill>
+                  <a:schemeClr val="accent2"/>
+                </a:solidFill>
+              </a:rPr>
+              <a:t>The sum of all internal forces in a tetrahedron </a:t>
+            </a:r>
+          </a:p>
+          <a:p>
+            <a:r>
+              <a:rPr lang="en-US" altLang="zh-CN" sz="1600" dirty="0">
+                <a:solidFill>
+                  <a:schemeClr val="accent2"/>
+                </a:solidFill>
+              </a:rPr>
+              <a:t>should be </a:t>
+            </a:r>
+            <a:r>
+              <a:rPr lang="en-US" altLang="zh-CN" sz="1600" b="1" dirty="0">
+                <a:solidFill>
+                  <a:schemeClr val="accent2"/>
+                </a:solidFill>
+              </a:rPr>
+              <a:t>zero</a:t>
+            </a:r>
+            <a:endParaRPr lang="zh-CN" altLang="en-US" sz="1600" b="1" dirty="0">
+              <a:solidFill>
+                <a:schemeClr val="accent2"/>
+              </a:solidFill>
+            </a:endParaRPr>
+          </a:p>
+        </p:txBody>
+      </p:sp>
+      <mc:AlternateContent xmlns:mc="http://schemas.openxmlformats.org/markup-compatibility/2006">
+        <mc:Choice xmlns:a14="http://schemas.microsoft.com/office/drawing/2010/main" Requires="a14">
           <p:sp>
             <p:nvSpPr>
-              <p:cNvPr id="8" name="文本框 7">
+              <p:cNvPr id="10" name="文本框 9">
                 <a:extLst>
                   <a:ext uri="{FF2B5EF4-FFF2-40B4-BE49-F238E27FC236}">
-                    <a16:creationId xmlns:a16="http://schemas.microsoft.com/office/drawing/2014/main" id="{FE21A1F6-781E-A1D4-A5E6-18F879AA60BA}"/>
+                    <a16:creationId xmlns:a16="http://schemas.microsoft.com/office/drawing/2014/main" id="{DCCC4ADF-65D5-48EE-A8E4-1CD03545B702}"/>
                   </a:ext>
                 </a:extLst>
               </p:cNvPr>
@@ -19906,7 +19968,7 @@
             <p:spPr>
               <a:xfrm>
                 <a:off x="990600" y="6464300"/>
-                <a:ext cx="5087739" cy="371448"/>
+                <a:ext cx="4950907" cy="336695"/>
               </a:xfrm>
               <a:prstGeom prst="rect">
                 <a:avLst/>
@@ -20063,68 +20125,55 @@
                       </a:rPr>
                       <m:t>=</m:t>
                     </m:r>
-                    <m:rad>
-                      <m:radPr>
-                        <m:degHide m:val="on"/>
+                    <m:r>
+                      <a:rPr lang="en-US" altLang="zh-CN" sz="1400" i="1">
+                        <a:latin typeface="Cambria Math" panose="02040503050406030204" pitchFamily="18" charset="0"/>
+                      </a:rPr>
+                      <m:t>𝑡𝑟</m:t>
+                    </m:r>
+                    <m:r>
+                      <a:rPr lang="en-US" altLang="zh-CN" sz="1400" i="1">
+                        <a:latin typeface="Cambria Math" panose="02040503050406030204" pitchFamily="18" charset="0"/>
+                      </a:rPr>
+                      <m:t>(</m:t>
+                    </m:r>
+                    <m:sSup>
+                      <m:sSupPr>
                         <m:ctrlPr>
-                          <a:rPr lang="en-US" altLang="zh-CN" sz="1400" b="0" i="1" smtClean="0">
+                          <a:rPr lang="en-US" altLang="zh-CN" sz="1400" i="1">
                             <a:latin typeface="Cambria Math" panose="02040503050406030204" pitchFamily="18" charset="0"/>
                           </a:rPr>
                         </m:ctrlPr>
-                      </m:radPr>
-                      <m:deg/>
+                      </m:sSupPr>
                       <m:e>
                         <m:r>
-                          <a:rPr lang="en-US" altLang="zh-CN" sz="1400" b="0" i="1" smtClean="0">
-                            <a:latin typeface="Cambria Math" panose="02040503050406030204" pitchFamily="18" charset="0"/>
-                          </a:rPr>
-                          <m:t>𝑡𝑟</m:t>
-                        </m:r>
-                        <m:r>
-                          <a:rPr lang="en-US" altLang="zh-CN" sz="1400" b="0" i="1" smtClean="0">
-                            <a:latin typeface="Cambria Math" panose="02040503050406030204" pitchFamily="18" charset="0"/>
-                          </a:rPr>
-                          <m:t>(</m:t>
-                        </m:r>
-                        <m:sSup>
-                          <m:sSupPr>
-                            <m:ctrlPr>
-                              <a:rPr lang="en-US" altLang="zh-CN" sz="1400" b="0" i="1" smtClean="0">
-                                <a:latin typeface="Cambria Math" panose="02040503050406030204" pitchFamily="18" charset="0"/>
-                              </a:rPr>
-                            </m:ctrlPr>
-                          </m:sSupPr>
-                          <m:e>
-                            <m:r>
-                              <a:rPr lang="en-US" altLang="zh-CN" sz="1400" b="0" i="1" smtClean="0">
-                                <a:latin typeface="Cambria Math" panose="02040503050406030204" pitchFamily="18" charset="0"/>
-                              </a:rPr>
-                              <m:t>𝐴</m:t>
-                            </m:r>
-                          </m:e>
-                          <m:sup>
-                            <m:r>
-                              <a:rPr lang="en-US" altLang="zh-CN" sz="1400" b="0" i="1" smtClean="0">
-                                <a:latin typeface="Cambria Math" panose="02040503050406030204" pitchFamily="18" charset="0"/>
-                              </a:rPr>
-                              <m:t>𝑇</m:t>
-                            </m:r>
-                          </m:sup>
-                        </m:sSup>
-                        <m:r>
-                          <a:rPr lang="en-US" altLang="zh-CN" sz="1400" b="0" i="1" smtClean="0">
-                            <a:latin typeface="Cambria Math" panose="02040503050406030204" pitchFamily="18" charset="0"/>
-                          </a:rPr>
-                          <m:t>𝐵</m:t>
-                        </m:r>
-                        <m:r>
-                          <a:rPr lang="en-US" altLang="zh-CN" sz="1400" b="0" i="1" smtClean="0">
-                            <a:latin typeface="Cambria Math" panose="02040503050406030204" pitchFamily="18" charset="0"/>
-                          </a:rPr>
-                          <m:t>)</m:t>
+                          <a:rPr lang="en-US" altLang="zh-CN" sz="1400" i="1">
+                            <a:latin typeface="Cambria Math" panose="02040503050406030204" pitchFamily="18" charset="0"/>
+                          </a:rPr>
+                          <m:t>𝐴</m:t>
                         </m:r>
                       </m:e>
-                    </m:rad>
+                      <m:sup>
+                        <m:r>
+                          <a:rPr lang="en-US" altLang="zh-CN" sz="1400" i="1">
+                            <a:latin typeface="Cambria Math" panose="02040503050406030204" pitchFamily="18" charset="0"/>
+                          </a:rPr>
+                          <m:t>𝑇</m:t>
+                        </m:r>
+                      </m:sup>
+                    </m:sSup>
+                    <m:r>
+                      <a:rPr lang="en-US" altLang="zh-CN" sz="1400" i="1">
+                        <a:latin typeface="Cambria Math" panose="02040503050406030204" pitchFamily="18" charset="0"/>
+                      </a:rPr>
+                      <m:t>𝐵</m:t>
+                    </m:r>
+                    <m:r>
+                      <a:rPr lang="en-US" altLang="zh-CN" sz="1400" i="1">
+                        <a:latin typeface="Cambria Math" panose="02040503050406030204" pitchFamily="18" charset="0"/>
+                      </a:rPr>
+                      <m:t>)</m:t>
+                    </m:r>
                   </m:oMath>
                 </a14:m>
                 <a:endParaRPr lang="zh-CN" altLang="en-US" sz="1400" dirty="0"/>
@@ -20132,13 +20181,13 @@
             </p:txBody>
           </p:sp>
         </mc:Choice>
-        <mc:Fallback xmlns="">
+        <mc:Fallback>
           <p:sp>
             <p:nvSpPr>
-              <p:cNvPr id="8" name="文本框 7">
+              <p:cNvPr id="10" name="文本框 9">
                 <a:extLst>
                   <a:ext uri="{FF2B5EF4-FFF2-40B4-BE49-F238E27FC236}">
-                    <a16:creationId xmlns:a16="http://schemas.microsoft.com/office/drawing/2014/main" id="{FE21A1F6-781E-A1D4-A5E6-18F879AA60BA}"/>
+                    <a16:creationId xmlns:a16="http://schemas.microsoft.com/office/drawing/2014/main" id="{DCCC4ADF-65D5-48EE-A8E4-1CD03545B702}"/>
                   </a:ext>
                 </a:extLst>
               </p:cNvPr>
@@ -20150,7 +20199,7 @@
             <p:spPr>
               <a:xfrm>
                 <a:off x="990600" y="6464300"/>
-                <a:ext cx="5087739" cy="371448"/>
+                <a:ext cx="4950907" cy="336695"/>
               </a:xfrm>
               <a:prstGeom prst="rect">
                 <a:avLst/>
@@ -20158,7 +20207,7 @@
               <a:blipFill>
                 <a:blip r:embed="rId6"/>
                 <a:stretch>
-                  <a:fillRect l="-360" t="-73770" b="-126230"/>
+                  <a:fillRect l="-369" t="-91071" b="-135714"/>
                 </a:stretch>
               </a:blipFill>
             </p:spPr>
@@ -20177,68 +20226,6 @@
           </p:sp>
         </mc:Fallback>
       </mc:AlternateContent>
-      <p:sp>
-        <p:nvSpPr>
-          <p:cNvPr id="9" name="文本框 8">
-            <a:extLst>
-              <a:ext uri="{FF2B5EF4-FFF2-40B4-BE49-F238E27FC236}">
-                <a16:creationId xmlns:a16="http://schemas.microsoft.com/office/drawing/2014/main" id="{986992AD-C822-4F5C-EAA0-E53CE47B53D7}"/>
-              </a:ext>
-            </a:extLst>
-          </p:cNvPr>
-          <p:cNvSpPr txBox="1"/>
-          <p:nvPr/>
-        </p:nvSpPr>
-        <p:spPr>
-          <a:xfrm>
-            <a:off x="7029656" y="5528951"/>
-            <a:ext cx="4251485" cy="584775"/>
-          </a:xfrm>
-          <a:prstGeom prst="rect">
-            <a:avLst/>
-          </a:prstGeom>
-          <a:noFill/>
-        </p:spPr>
-        <p:txBody>
-          <a:bodyPr wrap="none" rtlCol="0">
-            <a:spAutoFit/>
-          </a:bodyPr>
-          <a:lstStyle/>
-          <a:p>
-            <a:r>
-              <a:rPr lang="en-US" altLang="zh-CN" sz="1600" dirty="0">
-                <a:solidFill>
-                  <a:schemeClr val="accent2"/>
-                </a:solidFill>
-              </a:rPr>
-              <a:t>The sum of all internal forces in a tetrahedron </a:t>
-            </a:r>
-          </a:p>
-          <a:p>
-            <a:r>
-              <a:rPr lang="en-US" altLang="zh-CN" sz="1600" dirty="0">
-                <a:solidFill>
-                  <a:schemeClr val="accent2"/>
-                </a:solidFill>
-              </a:rPr>
-              <a:t>should be </a:t>
-            </a:r>
-            <a:r>
-              <a:rPr lang="en-US" altLang="zh-CN" sz="1600" b="1" dirty="0">
-                <a:solidFill>
-                  <a:schemeClr val="accent2"/>
-                </a:solidFill>
-              </a:rPr>
-              <a:t>zero</a:t>
-            </a:r>
-            <a:endParaRPr lang="zh-CN" altLang="en-US" sz="1600" b="1" dirty="0">
-              <a:solidFill>
-                <a:schemeClr val="accent2"/>
-              </a:solidFill>
-            </a:endParaRPr>
-          </a:p>
-        </p:txBody>
-      </p:sp>
     </p:spTree>
     <p:extLst>
       <p:ext uri="{BB962C8B-B14F-4D97-AF65-F5344CB8AC3E}">
